--- a/iteration2/iteration2_presentation.pptx
+++ b/iteration2/iteration2_presentation.pptx
@@ -205,7 +205,7 @@
           <a:p>
             <a:fld id="{96689D8F-2917-48B7-89E0-4BBCEC790B5E}" type="datetimeFigureOut">
               <a:rPr lang="he-IL" smtClean="0"/>
-              <a:t>כ"ב/אייר/תשפ"ג</a:t>
+              <a:t>כ"ד/אייר/תשפ"ג</a:t>
             </a:fld>
             <a:endParaRPr lang="he-IL"/>
           </a:p>
@@ -269,35 +269,35 @@
           <a:p>
             <a:pPr lvl="0"/>
             <a:r>
-              <a:rPr lang="en-US" smtClean="0"/>
+              <a:rPr lang="en-US"/>
               <a:t>Edit Master text styles</a:t>
             </a:r>
           </a:p>
           <a:p>
             <a:pPr lvl="1"/>
             <a:r>
-              <a:rPr lang="en-US" smtClean="0"/>
+              <a:rPr lang="en-US"/>
               <a:t>Second level</a:t>
             </a:r>
           </a:p>
           <a:p>
             <a:pPr lvl="2"/>
             <a:r>
-              <a:rPr lang="en-US" smtClean="0"/>
+              <a:rPr lang="en-US"/>
               <a:t>Third level</a:t>
             </a:r>
           </a:p>
           <a:p>
             <a:pPr lvl="3"/>
             <a:r>
-              <a:rPr lang="en-US" smtClean="0"/>
+              <a:rPr lang="en-US"/>
               <a:t>Fourth level</a:t>
             </a:r>
           </a:p>
           <a:p>
             <a:pPr lvl="4"/>
             <a:r>
-              <a:rPr lang="en-US" smtClean="0"/>
+              <a:rPr lang="en-US"/>
               <a:t>Fifth level</a:t>
             </a:r>
             <a:endParaRPr lang="he-IL"/>
@@ -518,16 +518,16 @@
           <a:lstStyle/>
           <a:p>
             <a:r>
-              <a:rPr lang="en-US" dirty="0" smtClean="0"/>
+              <a:rPr lang="en-US" dirty="0"/>
               <a:t>We decided to research this topic as we are all connected to the gender-biased problem in the high-tech industry. We want to help the effort of gender-equality and help the recruitment teams to encourage women to apply and be as much inclusive as possible when they are writing job descriptions.</a:t>
             </a:r>
           </a:p>
           <a:p>
             <a:r>
-              <a:rPr lang="en-US" dirty="0" smtClean="0"/>
+              <a:rPr lang="en-US" dirty="0"/>
               <a:t>We used labor studies team as domain experts.</a:t>
             </a:r>
-            <a:endParaRPr lang="he-IL" dirty="0" smtClean="0"/>
+            <a:endParaRPr lang="he-IL" dirty="0"/>
           </a:p>
           <a:p>
             <a:endParaRPr lang="he-IL" dirty="0"/>
@@ -616,7 +616,7 @@
           <a:p>
             <a:pPr rtl="1"/>
             <a:r>
-              <a:rPr lang="he-IL" sz="1200" b="0" i="0" u="none" strike="noStrike" kern="1200" dirty="0" smtClean="0">
+              <a:rPr lang="he-IL" sz="1200" b="0" i="0" u="none" strike="noStrike" kern="1200" dirty="0">
                 <a:solidFill>
                   <a:schemeClr val="tx1"/>
                 </a:solidFill>
@@ -628,7 +628,7 @@
               <a:t>מיטל: הסבר לפער 1. שינוי מגמה (בסקירה הספרותית המחקרים מלפני 10 שנים, ראינו שרב העונות לסקר היו בטווח של 6-8 שנים ניסיון מה שמעיד על דור ה</a:t>
             </a:r>
             <a:r>
-              <a:rPr lang="en-US" sz="1200" b="0" i="0" u="none" strike="noStrike" kern="1200" dirty="0" smtClean="0">
+              <a:rPr lang="en-US" sz="1200" b="0" i="0" u="none" strike="noStrike" kern="1200" dirty="0">
                 <a:solidFill>
                   <a:schemeClr val="tx1"/>
                 </a:solidFill>
@@ -639,14 +639,14 @@
               </a:rPr>
               <a:t>Z/Y </a:t>
             </a:r>
-            <a:endParaRPr lang="en-US" b="0" dirty="0" smtClean="0">
+            <a:endParaRPr lang="en-US" b="0" dirty="0">
               <a:effectLst/>
             </a:endParaRPr>
           </a:p>
           <a:p>
             <a:pPr rtl="1"/>
             <a:r>
-              <a:rPr lang="en-US" sz="1200" b="0" i="0" u="none" strike="noStrike" kern="1200" dirty="0" smtClean="0">
+              <a:rPr lang="en-US" sz="1200" b="0" i="0" u="none" strike="noStrike" kern="1200" dirty="0">
                 <a:solidFill>
                   <a:schemeClr val="tx1"/>
                 </a:solidFill>
@@ -658,7 +658,7 @@
               <a:t>2 </a:t>
             </a:r>
             <a:r>
-              <a:rPr lang="he-IL" sz="1200" b="0" i="0" u="none" strike="noStrike" kern="1200" dirty="0" smtClean="0">
+              <a:rPr lang="he-IL" sz="1200" b="0" i="0" u="none" strike="noStrike" kern="1200" dirty="0">
                 <a:solidFill>
                   <a:schemeClr val="tx1"/>
                 </a:solidFill>
@@ -670,7 +670,7 @@
               <a:t>החסרנו </a:t>
             </a:r>
             <a:r>
-              <a:rPr lang="he-IL" sz="1200" b="0" i="0" u="none" strike="noStrike" kern="1200" dirty="0" err="1" smtClean="0">
+              <a:rPr lang="he-IL" sz="1200" b="0" i="0" u="none" strike="noStrike" kern="1200" dirty="0" err="1">
                 <a:solidFill>
                   <a:schemeClr val="tx1"/>
                 </a:solidFill>
@@ -682,7 +682,7 @@
               <a:t>כטנולוגיות</a:t>
             </a:r>
             <a:r>
-              <a:rPr lang="he-IL" sz="1200" b="0" i="0" u="none" strike="noStrike" kern="1200" dirty="0" smtClean="0">
+              <a:rPr lang="he-IL" sz="1200" b="0" i="0" u="none" strike="noStrike" kern="1200" dirty="0">
                 <a:solidFill>
                   <a:schemeClr val="tx1"/>
                 </a:solidFill>
@@ -693,17 +693,17 @@
               </a:rPr>
               <a:t> מראש לטובת גנריות של תיאורי המשרה וראינו שרב הגברים אמרו שלא הגישו בגלל חוסר בטכנולוגיות לעומת נשים שחלקן הגישו דווקא בגלל : חוסר דרישות טכנולוגי </a:t>
             </a:r>
-            <a:endParaRPr lang="he-IL" b="0" dirty="0" smtClean="0">
+            <a:endParaRPr lang="he-IL" b="0" dirty="0">
               <a:effectLst/>
             </a:endParaRPr>
           </a:p>
           <a:p>
             <a:r>
-              <a:rPr lang="he-IL" dirty="0" smtClean="0"/>
+              <a:rPr lang="he-IL" dirty="0"/>
               <a:t/>
             </a:r>
             <a:br>
-              <a:rPr lang="he-IL" dirty="0" smtClean="0"/>
+              <a:rPr lang="he-IL" dirty="0"/>
             </a:br>
             <a:endParaRPr lang="he-IL" dirty="0"/>
           </a:p>
@@ -787,7 +787,7 @@
           </a:lstStyle>
           <a:p>
             <a:r>
-              <a:rPr lang="en-US" smtClean="0"/>
+              <a:rPr lang="en-US"/>
               <a:t>Click to edit Master title style</a:t>
             </a:r>
             <a:endParaRPr lang="he-IL"/>
@@ -852,7 +852,7 @@
           </a:lstStyle>
           <a:p>
             <a:r>
-              <a:rPr lang="en-US" smtClean="0"/>
+              <a:rPr lang="en-US"/>
               <a:t>Click to edit Master subtitle style</a:t>
             </a:r>
             <a:endParaRPr lang="he-IL"/>
@@ -876,7 +876,7 @@
           <a:p>
             <a:fld id="{D6A6314D-2907-490C-A2E6-B3A4524781B1}" type="datetimeFigureOut">
               <a:rPr lang="he-IL" smtClean="0"/>
-              <a:t>כ"ב/אייר/תשפ"ג</a:t>
+              <a:t>כ"ד/אייר/תשפ"ג</a:t>
             </a:fld>
             <a:endParaRPr lang="he-IL"/>
           </a:p>
@@ -970,7 +970,7 @@
           <a:lstStyle/>
           <a:p>
             <a:r>
-              <a:rPr lang="en-US" smtClean="0"/>
+              <a:rPr lang="en-US"/>
               <a:t>Click to edit Master title style</a:t>
             </a:r>
             <a:endParaRPr lang="he-IL"/>
@@ -994,35 +994,35 @@
           <a:p>
             <a:pPr lvl="0"/>
             <a:r>
-              <a:rPr lang="en-US" smtClean="0"/>
+              <a:rPr lang="en-US"/>
               <a:t>Edit Master text styles</a:t>
             </a:r>
           </a:p>
           <a:p>
             <a:pPr lvl="1"/>
             <a:r>
-              <a:rPr lang="en-US" smtClean="0"/>
+              <a:rPr lang="en-US"/>
               <a:t>Second level</a:t>
             </a:r>
           </a:p>
           <a:p>
             <a:pPr lvl="2"/>
             <a:r>
-              <a:rPr lang="en-US" smtClean="0"/>
+              <a:rPr lang="en-US"/>
               <a:t>Third level</a:t>
             </a:r>
           </a:p>
           <a:p>
             <a:pPr lvl="3"/>
             <a:r>
-              <a:rPr lang="en-US" smtClean="0"/>
+              <a:rPr lang="en-US"/>
               <a:t>Fourth level</a:t>
             </a:r>
           </a:p>
           <a:p>
             <a:pPr lvl="4"/>
             <a:r>
-              <a:rPr lang="en-US" smtClean="0"/>
+              <a:rPr lang="en-US"/>
               <a:t>Fifth level</a:t>
             </a:r>
             <a:endParaRPr lang="he-IL"/>
@@ -1046,7 +1046,7 @@
           <a:p>
             <a:fld id="{D6A6314D-2907-490C-A2E6-B3A4524781B1}" type="datetimeFigureOut">
               <a:rPr lang="he-IL" smtClean="0"/>
-              <a:t>כ"ב/אייר/תשפ"ג</a:t>
+              <a:t>כ"ד/אייר/תשפ"ג</a:t>
             </a:fld>
             <a:endParaRPr lang="he-IL"/>
           </a:p>
@@ -1145,7 +1145,7 @@
           <a:lstStyle/>
           <a:p>
             <a:r>
-              <a:rPr lang="en-US" smtClean="0"/>
+              <a:rPr lang="en-US"/>
               <a:t>Click to edit Master title style</a:t>
             </a:r>
             <a:endParaRPr lang="he-IL"/>
@@ -1174,35 +1174,35 @@
           <a:p>
             <a:pPr lvl="0"/>
             <a:r>
-              <a:rPr lang="en-US" smtClean="0"/>
+              <a:rPr lang="en-US"/>
               <a:t>Edit Master text styles</a:t>
             </a:r>
           </a:p>
           <a:p>
             <a:pPr lvl="1"/>
             <a:r>
-              <a:rPr lang="en-US" smtClean="0"/>
+              <a:rPr lang="en-US"/>
               <a:t>Second level</a:t>
             </a:r>
           </a:p>
           <a:p>
             <a:pPr lvl="2"/>
             <a:r>
-              <a:rPr lang="en-US" smtClean="0"/>
+              <a:rPr lang="en-US"/>
               <a:t>Third level</a:t>
             </a:r>
           </a:p>
           <a:p>
             <a:pPr lvl="3"/>
             <a:r>
-              <a:rPr lang="en-US" smtClean="0"/>
+              <a:rPr lang="en-US"/>
               <a:t>Fourth level</a:t>
             </a:r>
           </a:p>
           <a:p>
             <a:pPr lvl="4"/>
             <a:r>
-              <a:rPr lang="en-US" smtClean="0"/>
+              <a:rPr lang="en-US"/>
               <a:t>Fifth level</a:t>
             </a:r>
             <a:endParaRPr lang="he-IL"/>
@@ -1226,7 +1226,7 @@
           <a:p>
             <a:fld id="{D6A6314D-2907-490C-A2E6-B3A4524781B1}" type="datetimeFigureOut">
               <a:rPr lang="he-IL" smtClean="0"/>
-              <a:t>כ"ב/אייר/תשפ"ג</a:t>
+              <a:t>כ"ד/אייר/תשפ"ג</a:t>
             </a:fld>
             <a:endParaRPr lang="he-IL"/>
           </a:p>
@@ -1320,7 +1320,7 @@
           <a:lstStyle/>
           <a:p>
             <a:r>
-              <a:rPr lang="en-US" smtClean="0"/>
+              <a:rPr lang="en-US"/>
               <a:t>Click to edit Master title style</a:t>
             </a:r>
             <a:endParaRPr lang="he-IL"/>
@@ -1344,35 +1344,35 @@
           <a:p>
             <a:pPr lvl="0"/>
             <a:r>
-              <a:rPr lang="en-US" smtClean="0"/>
+              <a:rPr lang="en-US"/>
               <a:t>Edit Master text styles</a:t>
             </a:r>
           </a:p>
           <a:p>
             <a:pPr lvl="1"/>
             <a:r>
-              <a:rPr lang="en-US" smtClean="0"/>
+              <a:rPr lang="en-US"/>
               <a:t>Second level</a:t>
             </a:r>
           </a:p>
           <a:p>
             <a:pPr lvl="2"/>
             <a:r>
-              <a:rPr lang="en-US" smtClean="0"/>
+              <a:rPr lang="en-US"/>
               <a:t>Third level</a:t>
             </a:r>
           </a:p>
           <a:p>
             <a:pPr lvl="3"/>
             <a:r>
-              <a:rPr lang="en-US" smtClean="0"/>
+              <a:rPr lang="en-US"/>
               <a:t>Fourth level</a:t>
             </a:r>
           </a:p>
           <a:p>
             <a:pPr lvl="4"/>
             <a:r>
-              <a:rPr lang="en-US" smtClean="0"/>
+              <a:rPr lang="en-US"/>
               <a:t>Fifth level</a:t>
             </a:r>
             <a:endParaRPr lang="he-IL"/>
@@ -1396,7 +1396,7 @@
           <a:p>
             <a:fld id="{D6A6314D-2907-490C-A2E6-B3A4524781B1}" type="datetimeFigureOut">
               <a:rPr lang="he-IL" smtClean="0"/>
-              <a:t>כ"ב/אייר/תשפ"ג</a:t>
+              <a:t>כ"ד/אייר/תשפ"ג</a:t>
             </a:fld>
             <a:endParaRPr lang="he-IL"/>
           </a:p>
@@ -1499,7 +1499,7 @@
           </a:lstStyle>
           <a:p>
             <a:r>
-              <a:rPr lang="en-US" smtClean="0"/>
+              <a:rPr lang="en-US"/>
               <a:t>Click to edit Master title style</a:t>
             </a:r>
             <a:endParaRPr lang="he-IL"/>
@@ -1619,7 +1619,7 @@
           <a:p>
             <a:pPr lvl="0"/>
             <a:r>
-              <a:rPr lang="en-US" smtClean="0"/>
+              <a:rPr lang="en-US"/>
               <a:t>Edit Master text styles</a:t>
             </a:r>
           </a:p>
@@ -1642,7 +1642,7 @@
           <a:p>
             <a:fld id="{D6A6314D-2907-490C-A2E6-B3A4524781B1}" type="datetimeFigureOut">
               <a:rPr lang="he-IL" smtClean="0"/>
-              <a:t>כ"ב/אייר/תשפ"ג</a:t>
+              <a:t>כ"ד/אייר/תשפ"ג</a:t>
             </a:fld>
             <a:endParaRPr lang="he-IL"/>
           </a:p>
@@ -1736,7 +1736,7 @@
           <a:lstStyle/>
           <a:p>
             <a:r>
-              <a:rPr lang="en-US" smtClean="0"/>
+              <a:rPr lang="en-US"/>
               <a:t>Click to edit Master title style</a:t>
             </a:r>
             <a:endParaRPr lang="he-IL"/>
@@ -1765,35 +1765,35 @@
           <a:p>
             <a:pPr lvl="0"/>
             <a:r>
-              <a:rPr lang="en-US" smtClean="0"/>
+              <a:rPr lang="en-US"/>
               <a:t>Edit Master text styles</a:t>
             </a:r>
           </a:p>
           <a:p>
             <a:pPr lvl="1"/>
             <a:r>
-              <a:rPr lang="en-US" smtClean="0"/>
+              <a:rPr lang="en-US"/>
               <a:t>Second level</a:t>
             </a:r>
           </a:p>
           <a:p>
             <a:pPr lvl="2"/>
             <a:r>
-              <a:rPr lang="en-US" smtClean="0"/>
+              <a:rPr lang="en-US"/>
               <a:t>Third level</a:t>
             </a:r>
           </a:p>
           <a:p>
             <a:pPr lvl="3"/>
             <a:r>
-              <a:rPr lang="en-US" smtClean="0"/>
+              <a:rPr lang="en-US"/>
               <a:t>Fourth level</a:t>
             </a:r>
           </a:p>
           <a:p>
             <a:pPr lvl="4"/>
             <a:r>
-              <a:rPr lang="en-US" smtClean="0"/>
+              <a:rPr lang="en-US"/>
               <a:t>Fifth level</a:t>
             </a:r>
             <a:endParaRPr lang="he-IL"/>
@@ -1822,35 +1822,35 @@
           <a:p>
             <a:pPr lvl="0"/>
             <a:r>
-              <a:rPr lang="en-US" smtClean="0"/>
+              <a:rPr lang="en-US"/>
               <a:t>Edit Master text styles</a:t>
             </a:r>
           </a:p>
           <a:p>
             <a:pPr lvl="1"/>
             <a:r>
-              <a:rPr lang="en-US" smtClean="0"/>
+              <a:rPr lang="en-US"/>
               <a:t>Second level</a:t>
             </a:r>
           </a:p>
           <a:p>
             <a:pPr lvl="2"/>
             <a:r>
-              <a:rPr lang="en-US" smtClean="0"/>
+              <a:rPr lang="en-US"/>
               <a:t>Third level</a:t>
             </a:r>
           </a:p>
           <a:p>
             <a:pPr lvl="3"/>
             <a:r>
-              <a:rPr lang="en-US" smtClean="0"/>
+              <a:rPr lang="en-US"/>
               <a:t>Fourth level</a:t>
             </a:r>
           </a:p>
           <a:p>
             <a:pPr lvl="4"/>
             <a:r>
-              <a:rPr lang="en-US" smtClean="0"/>
+              <a:rPr lang="en-US"/>
               <a:t>Fifth level</a:t>
             </a:r>
             <a:endParaRPr lang="he-IL"/>
@@ -1874,7 +1874,7 @@
           <a:p>
             <a:fld id="{D6A6314D-2907-490C-A2E6-B3A4524781B1}" type="datetimeFigureOut">
               <a:rPr lang="he-IL" smtClean="0"/>
-              <a:t>כ"ב/אייר/תשפ"ג</a:t>
+              <a:t>כ"ד/אייר/תשפ"ג</a:t>
             </a:fld>
             <a:endParaRPr lang="he-IL"/>
           </a:p>
@@ -1973,7 +1973,7 @@
           <a:lstStyle/>
           <a:p>
             <a:r>
-              <a:rPr lang="en-US" smtClean="0"/>
+              <a:rPr lang="en-US"/>
               <a:t>Click to edit Master title style</a:t>
             </a:r>
             <a:endParaRPr lang="he-IL"/>
@@ -2039,7 +2039,7 @@
           <a:p>
             <a:pPr lvl="0"/>
             <a:r>
-              <a:rPr lang="en-US" smtClean="0"/>
+              <a:rPr lang="en-US"/>
               <a:t>Edit Master text styles</a:t>
             </a:r>
           </a:p>
@@ -2067,35 +2067,35 @@
           <a:p>
             <a:pPr lvl="0"/>
             <a:r>
-              <a:rPr lang="en-US" smtClean="0"/>
+              <a:rPr lang="en-US"/>
               <a:t>Edit Master text styles</a:t>
             </a:r>
           </a:p>
           <a:p>
             <a:pPr lvl="1"/>
             <a:r>
-              <a:rPr lang="en-US" smtClean="0"/>
+              <a:rPr lang="en-US"/>
               <a:t>Second level</a:t>
             </a:r>
           </a:p>
           <a:p>
             <a:pPr lvl="2"/>
             <a:r>
-              <a:rPr lang="en-US" smtClean="0"/>
+              <a:rPr lang="en-US"/>
               <a:t>Third level</a:t>
             </a:r>
           </a:p>
           <a:p>
             <a:pPr lvl="3"/>
             <a:r>
-              <a:rPr lang="en-US" smtClean="0"/>
+              <a:rPr lang="en-US"/>
               <a:t>Fourth level</a:t>
             </a:r>
           </a:p>
           <a:p>
             <a:pPr lvl="4"/>
             <a:r>
-              <a:rPr lang="en-US" smtClean="0"/>
+              <a:rPr lang="en-US"/>
               <a:t>Fifth level</a:t>
             </a:r>
             <a:endParaRPr lang="he-IL"/>
@@ -2161,7 +2161,7 @@
           <a:p>
             <a:pPr lvl="0"/>
             <a:r>
-              <a:rPr lang="en-US" smtClean="0"/>
+              <a:rPr lang="en-US"/>
               <a:t>Edit Master text styles</a:t>
             </a:r>
           </a:p>
@@ -2189,35 +2189,35 @@
           <a:p>
             <a:pPr lvl="0"/>
             <a:r>
-              <a:rPr lang="en-US" smtClean="0"/>
+              <a:rPr lang="en-US"/>
               <a:t>Edit Master text styles</a:t>
             </a:r>
           </a:p>
           <a:p>
             <a:pPr lvl="1"/>
             <a:r>
-              <a:rPr lang="en-US" smtClean="0"/>
+              <a:rPr lang="en-US"/>
               <a:t>Second level</a:t>
             </a:r>
           </a:p>
           <a:p>
             <a:pPr lvl="2"/>
             <a:r>
-              <a:rPr lang="en-US" smtClean="0"/>
+              <a:rPr lang="en-US"/>
               <a:t>Third level</a:t>
             </a:r>
           </a:p>
           <a:p>
             <a:pPr lvl="3"/>
             <a:r>
-              <a:rPr lang="en-US" smtClean="0"/>
+              <a:rPr lang="en-US"/>
               <a:t>Fourth level</a:t>
             </a:r>
           </a:p>
           <a:p>
             <a:pPr lvl="4"/>
             <a:r>
-              <a:rPr lang="en-US" smtClean="0"/>
+              <a:rPr lang="en-US"/>
               <a:t>Fifth level</a:t>
             </a:r>
             <a:endParaRPr lang="he-IL"/>
@@ -2241,7 +2241,7 @@
           <a:p>
             <a:fld id="{D6A6314D-2907-490C-A2E6-B3A4524781B1}" type="datetimeFigureOut">
               <a:rPr lang="he-IL" smtClean="0"/>
-              <a:t>כ"ב/אייר/תשפ"ג</a:t>
+              <a:t>כ"ד/אייר/תשפ"ג</a:t>
             </a:fld>
             <a:endParaRPr lang="he-IL"/>
           </a:p>
@@ -2335,7 +2335,7 @@
           <a:lstStyle/>
           <a:p>
             <a:r>
-              <a:rPr lang="en-US" smtClean="0"/>
+              <a:rPr lang="en-US"/>
               <a:t>Click to edit Master title style</a:t>
             </a:r>
             <a:endParaRPr lang="he-IL"/>
@@ -2359,7 +2359,7 @@
           <a:p>
             <a:fld id="{D6A6314D-2907-490C-A2E6-B3A4524781B1}" type="datetimeFigureOut">
               <a:rPr lang="he-IL" smtClean="0"/>
-              <a:t>כ"ב/אייר/תשפ"ג</a:t>
+              <a:t>כ"ד/אייר/תשפ"ג</a:t>
             </a:fld>
             <a:endParaRPr lang="he-IL"/>
           </a:p>
@@ -2454,7 +2454,7 @@
           <a:p>
             <a:fld id="{D6A6314D-2907-490C-A2E6-B3A4524781B1}" type="datetimeFigureOut">
               <a:rPr lang="he-IL" smtClean="0"/>
-              <a:t>כ"ב/אייר/תשפ"ג</a:t>
+              <a:t>כ"ד/אייר/תשפ"ג</a:t>
             </a:fld>
             <a:endParaRPr lang="he-IL"/>
           </a:p>
@@ -2557,7 +2557,7 @@
           </a:lstStyle>
           <a:p>
             <a:r>
-              <a:rPr lang="en-US" smtClean="0"/>
+              <a:rPr lang="en-US"/>
               <a:t>Click to edit Master title style</a:t>
             </a:r>
             <a:endParaRPr lang="he-IL"/>
@@ -2614,35 +2614,35 @@
           <a:p>
             <a:pPr lvl="0"/>
             <a:r>
-              <a:rPr lang="en-US" smtClean="0"/>
+              <a:rPr lang="en-US"/>
               <a:t>Edit Master text styles</a:t>
             </a:r>
           </a:p>
           <a:p>
             <a:pPr lvl="1"/>
             <a:r>
-              <a:rPr lang="en-US" smtClean="0"/>
+              <a:rPr lang="en-US"/>
               <a:t>Second level</a:t>
             </a:r>
           </a:p>
           <a:p>
             <a:pPr lvl="2"/>
             <a:r>
-              <a:rPr lang="en-US" smtClean="0"/>
+              <a:rPr lang="en-US"/>
               <a:t>Third level</a:t>
             </a:r>
           </a:p>
           <a:p>
             <a:pPr lvl="3"/>
             <a:r>
-              <a:rPr lang="en-US" smtClean="0"/>
+              <a:rPr lang="en-US"/>
               <a:t>Fourth level</a:t>
             </a:r>
           </a:p>
           <a:p>
             <a:pPr lvl="4"/>
             <a:r>
-              <a:rPr lang="en-US" smtClean="0"/>
+              <a:rPr lang="en-US"/>
               <a:t>Fifth level</a:t>
             </a:r>
             <a:endParaRPr lang="he-IL"/>
@@ -2708,7 +2708,7 @@
           <a:p>
             <a:pPr lvl="0"/>
             <a:r>
-              <a:rPr lang="en-US" smtClean="0"/>
+              <a:rPr lang="en-US"/>
               <a:t>Edit Master text styles</a:t>
             </a:r>
           </a:p>
@@ -2731,7 +2731,7 @@
           <a:p>
             <a:fld id="{D6A6314D-2907-490C-A2E6-B3A4524781B1}" type="datetimeFigureOut">
               <a:rPr lang="he-IL" smtClean="0"/>
-              <a:t>כ"ב/אייר/תשפ"ג</a:t>
+              <a:t>כ"ד/אייר/תשפ"ג</a:t>
             </a:fld>
             <a:endParaRPr lang="he-IL"/>
           </a:p>
@@ -2834,7 +2834,7 @@
           </a:lstStyle>
           <a:p>
             <a:r>
-              <a:rPr lang="en-US" smtClean="0"/>
+              <a:rPr lang="en-US"/>
               <a:t>Click to edit Master title style</a:t>
             </a:r>
             <a:endParaRPr lang="he-IL"/>
@@ -2961,7 +2961,7 @@
           <a:p>
             <a:pPr lvl="0"/>
             <a:r>
-              <a:rPr lang="en-US" smtClean="0"/>
+              <a:rPr lang="en-US"/>
               <a:t>Edit Master text styles</a:t>
             </a:r>
           </a:p>
@@ -2984,7 +2984,7 @@
           <a:p>
             <a:fld id="{D6A6314D-2907-490C-A2E6-B3A4524781B1}" type="datetimeFigureOut">
               <a:rPr lang="he-IL" smtClean="0"/>
-              <a:t>כ"ב/אייר/תשפ"ג</a:t>
+              <a:t>כ"ד/אייר/תשפ"ג</a:t>
             </a:fld>
             <a:endParaRPr lang="he-IL"/>
           </a:p>
@@ -3093,7 +3093,7 @@
           <a:lstStyle/>
           <a:p>
             <a:r>
-              <a:rPr lang="en-US" smtClean="0"/>
+              <a:rPr lang="en-US"/>
               <a:t>Click to edit Master title style</a:t>
             </a:r>
             <a:endParaRPr lang="he-IL"/>
@@ -3127,35 +3127,35 @@
           <a:p>
             <a:pPr lvl="0"/>
             <a:r>
-              <a:rPr lang="en-US" smtClean="0"/>
+              <a:rPr lang="en-US"/>
               <a:t>Edit Master text styles</a:t>
             </a:r>
           </a:p>
           <a:p>
             <a:pPr lvl="1"/>
             <a:r>
-              <a:rPr lang="en-US" smtClean="0"/>
+              <a:rPr lang="en-US"/>
               <a:t>Second level</a:t>
             </a:r>
           </a:p>
           <a:p>
             <a:pPr lvl="2"/>
             <a:r>
-              <a:rPr lang="en-US" smtClean="0"/>
+              <a:rPr lang="en-US"/>
               <a:t>Third level</a:t>
             </a:r>
           </a:p>
           <a:p>
             <a:pPr lvl="3"/>
             <a:r>
-              <a:rPr lang="en-US" smtClean="0"/>
+              <a:rPr lang="en-US"/>
               <a:t>Fourth level</a:t>
             </a:r>
           </a:p>
           <a:p>
             <a:pPr lvl="4"/>
             <a:r>
-              <a:rPr lang="en-US" smtClean="0"/>
+              <a:rPr lang="en-US"/>
               <a:t>Fifth level</a:t>
             </a:r>
             <a:endParaRPr lang="he-IL"/>
@@ -3197,7 +3197,7 @@
           <a:p>
             <a:fld id="{D6A6314D-2907-490C-A2E6-B3A4524781B1}" type="datetimeFigureOut">
               <a:rPr lang="he-IL" smtClean="0"/>
-              <a:t>כ"ב/אייר/תשפ"ג</a:t>
+              <a:t>כ"ד/אייר/תשפ"ג</a:t>
             </a:fld>
             <a:endParaRPr lang="he-IL"/>
           </a:p>
@@ -3654,22 +3654,22 @@
           <a:p>
             <a:pPr lvl="0"/>
             <a:r>
-              <a:rPr lang="en-US" b="0" dirty="0" smtClean="0"/>
+              <a:rPr lang="en-US" b="0" dirty="0"/>
               <a:t>Team 5 – Liron Cohen, Yuval Mor, </a:t>
             </a:r>
             <a:r>
-              <a:rPr lang="en-US" b="0" dirty="0" err="1" smtClean="0"/>
+              <a:rPr lang="en-US" b="0" dirty="0" err="1"/>
               <a:t>Ofer</a:t>
             </a:r>
             <a:r>
-              <a:rPr lang="en-US" b="0" dirty="0" smtClean="0"/>
+              <a:rPr lang="en-US" b="0" dirty="0"/>
               <a:t> </a:t>
             </a:r>
             <a:r>
-              <a:rPr lang="en-US" b="0" dirty="0" err="1" smtClean="0"/>
+              <a:rPr lang="en-US" b="0" dirty="0" err="1"/>
               <a:t>Tlusty</a:t>
             </a:r>
-            <a:endParaRPr lang="en-US" b="0" dirty="0" smtClean="0"/>
+            <a:endParaRPr lang="en-US" b="0" dirty="0"/>
           </a:p>
         </p:txBody>
       </p:sp>
@@ -3719,7 +3719,7 @@
           <a:lstStyle/>
           <a:p>
             <a:r>
-              <a:rPr lang="en-US" dirty="0" smtClean="0"/>
+              <a:rPr lang="en-US" dirty="0"/>
               <a:t>Research problem</a:t>
             </a:r>
             <a:endParaRPr lang="he-IL" dirty="0"/>
@@ -3742,17 +3742,6 @@
           <a:lstStyle/>
           <a:p>
             <a:pPr lvl="0"/>
-            <a:r>
-              <a:rPr lang="en-US" dirty="0" smtClean="0">
-                <a:solidFill>
-                  <a:srgbClr val="000000"/>
-                </a:solidFill>
-                <a:ea typeface="Calibri"/>
-                <a:cs typeface="Calibri"/>
-                <a:sym typeface="Calibri"/>
-              </a:rPr>
-              <a:t>Gender-based </a:t>
-            </a:r>
             <a:r>
               <a:rPr lang="en-US" dirty="0">
                 <a:solidFill>
@@ -3762,130 +3751,9 @@
                 <a:cs typeface="Calibri"/>
                 <a:sym typeface="Calibri"/>
               </a:rPr>
-              <a:t>d</a:t>
-            </a:r>
-            <a:r>
-              <a:rPr lang="en-US" dirty="0" smtClean="0">
-                <a:solidFill>
-                  <a:srgbClr val="000000"/>
-                </a:solidFill>
-                <a:ea typeface="Calibri"/>
-                <a:cs typeface="Calibri"/>
-                <a:sym typeface="Calibri"/>
-              </a:rPr>
-              <a:t>ifferences </a:t>
-            </a:r>
-            <a:r>
-              <a:rPr lang="en-US" dirty="0">
-                <a:solidFill>
-                  <a:srgbClr val="000000"/>
-                </a:solidFill>
-                <a:ea typeface="Calibri"/>
-                <a:cs typeface="Calibri"/>
-                <a:sym typeface="Calibri"/>
-              </a:rPr>
-              <a:t>in </a:t>
-            </a:r>
-            <a:r>
-              <a:rPr lang="en-US" dirty="0" smtClean="0">
-                <a:solidFill>
-                  <a:srgbClr val="000000"/>
-                </a:solidFill>
-                <a:ea typeface="Calibri"/>
-                <a:cs typeface="Calibri"/>
-                <a:sym typeface="Calibri"/>
-              </a:rPr>
-              <a:t>job </a:t>
-            </a:r>
-            <a:r>
-              <a:rPr lang="en-US" dirty="0">
-                <a:solidFill>
-                  <a:srgbClr val="000000"/>
-                </a:solidFill>
-                <a:ea typeface="Calibri"/>
-                <a:cs typeface="Calibri"/>
-                <a:sym typeface="Calibri"/>
-              </a:rPr>
-              <a:t>d</a:t>
-            </a:r>
-            <a:r>
-              <a:rPr lang="en-US" dirty="0" smtClean="0">
-                <a:solidFill>
-                  <a:srgbClr val="000000"/>
-                </a:solidFill>
-                <a:ea typeface="Calibri"/>
-                <a:cs typeface="Calibri"/>
-                <a:sym typeface="Calibri"/>
-              </a:rPr>
-              <a:t>escriptions </a:t>
-            </a:r>
-            <a:r>
-              <a:rPr lang="en-US" dirty="0">
-                <a:solidFill>
-                  <a:srgbClr val="000000"/>
-                </a:solidFill>
-                <a:ea typeface="Calibri"/>
-                <a:cs typeface="Calibri"/>
-                <a:sym typeface="Calibri"/>
-              </a:rPr>
-              <a:t>in the </a:t>
-            </a:r>
-            <a:r>
-              <a:rPr lang="en-US" dirty="0" smtClean="0">
-                <a:solidFill>
-                  <a:srgbClr val="000000"/>
-                </a:solidFill>
-                <a:ea typeface="Calibri"/>
-                <a:cs typeface="Calibri"/>
-                <a:sym typeface="Calibri"/>
-              </a:rPr>
-              <a:t>software </a:t>
-            </a:r>
-            <a:r>
-              <a:rPr lang="en-US" dirty="0">
-                <a:solidFill>
-                  <a:srgbClr val="000000"/>
-                </a:solidFill>
-                <a:ea typeface="Calibri"/>
-                <a:cs typeface="Calibri"/>
-                <a:sym typeface="Calibri"/>
-              </a:rPr>
-              <a:t>e</a:t>
-            </a:r>
-            <a:r>
-              <a:rPr lang="en-US" dirty="0" smtClean="0">
-                <a:solidFill>
-                  <a:srgbClr val="000000"/>
-                </a:solidFill>
-                <a:ea typeface="Calibri"/>
-                <a:cs typeface="Calibri"/>
-                <a:sym typeface="Calibri"/>
-              </a:rPr>
-              <a:t>ngineering </a:t>
-            </a:r>
-            <a:r>
-              <a:rPr lang="en-US" dirty="0">
-                <a:solidFill>
-                  <a:srgbClr val="000000"/>
-                </a:solidFill>
-                <a:ea typeface="Calibri"/>
-                <a:cs typeface="Calibri"/>
-                <a:sym typeface="Calibri"/>
-              </a:rPr>
-              <a:t>i</a:t>
-            </a:r>
-            <a:r>
-              <a:rPr lang="en-US" dirty="0" smtClean="0">
-                <a:solidFill>
-                  <a:srgbClr val="000000"/>
-                </a:solidFill>
-                <a:ea typeface="Calibri"/>
-                <a:cs typeface="Calibri"/>
-                <a:sym typeface="Calibri"/>
-              </a:rPr>
-              <a:t>ndustry</a:t>
-            </a:r>
-            <a:endParaRPr lang="en-US" dirty="0" smtClean="0">
+              <a:t>Gender-based differences in job descriptions in the software engineering industry</a:t>
+            </a:r>
+            <a:endParaRPr lang="en-US" dirty="0">
               <a:sym typeface="Calibri"/>
             </a:endParaRPr>
           </a:p>
@@ -3904,17 +3772,6 @@
           </a:p>
           <a:p>
             <a:r>
-              <a:rPr lang="en-US" dirty="0" smtClean="0">
-                <a:solidFill>
-                  <a:srgbClr val="000000"/>
-                </a:solidFill>
-                <a:ea typeface="Calibri"/>
-                <a:cs typeface="Calibri"/>
-                <a:sym typeface="Calibri"/>
-              </a:rPr>
-              <a:t>We aim </a:t>
-            </a:r>
-            <a:r>
               <a:rPr lang="en-US" dirty="0">
                 <a:solidFill>
                   <a:srgbClr val="000000"/>
@@ -3923,29 +3780,7 @@
                 <a:cs typeface="Calibri"/>
                 <a:sym typeface="Calibri"/>
               </a:rPr>
-              <a:t>to examine job descriptions </a:t>
-            </a:r>
-            <a:r>
-              <a:rPr lang="en-US" dirty="0" smtClean="0">
-                <a:solidFill>
-                  <a:srgbClr val="000000"/>
-                </a:solidFill>
-                <a:ea typeface="Calibri"/>
-                <a:cs typeface="Calibri"/>
-                <a:sym typeface="Calibri"/>
-              </a:rPr>
-              <a:t>and </a:t>
-            </a:r>
-            <a:r>
-              <a:rPr lang="en-US" dirty="0">
-                <a:solidFill>
-                  <a:srgbClr val="000000"/>
-                </a:solidFill>
-                <a:ea typeface="Calibri"/>
-                <a:cs typeface="Calibri"/>
-                <a:sym typeface="Calibri"/>
-              </a:rPr>
-              <a:t>explore the impact of job characteristics on women's job application decisions.</a:t>
+              <a:t>We aim to examine job descriptions and explore the impact of job characteristics on women's job application decisions.</a:t>
             </a:r>
           </a:p>
           <a:p>
@@ -4007,84 +3842,13 @@
           <a:lstStyle/>
           <a:p>
             <a:r>
-              <a:rPr lang="en-US" dirty="0" smtClean="0"/>
+              <a:rPr lang="en-US" dirty="0"/>
               <a:t>About us</a:t>
             </a:r>
             <a:endParaRPr lang="he-IL" dirty="0"/>
           </a:p>
         </p:txBody>
       </p:sp>
-      <p:pic>
-        <p:nvPicPr>
-          <p:cNvPr id="4" name="Picture 3"/>
-          <p:cNvPicPr>
-            <a:picLocks noChangeAspect="1"/>
-          </p:cNvPicPr>
-          <p:nvPr/>
-        </p:nvPicPr>
-        <p:blipFill>
-          <a:blip r:embed="rId3"/>
-          <a:stretch>
-            <a:fillRect/>
-          </a:stretch>
-        </p:blipFill>
-        <p:spPr>
-          <a:xfrm>
-            <a:off x="276071" y="4334608"/>
-            <a:ext cx="2252380" cy="2239991"/>
-          </a:xfrm>
-          <a:prstGeom prst="rect">
-            <a:avLst/>
-          </a:prstGeom>
-        </p:spPr>
-      </p:pic>
-      <p:pic>
-        <p:nvPicPr>
-          <p:cNvPr id="5" name="Picture 4"/>
-          <p:cNvPicPr>
-            <a:picLocks noChangeAspect="1"/>
-          </p:cNvPicPr>
-          <p:nvPr/>
-        </p:nvPicPr>
-        <p:blipFill rotWithShape="1">
-          <a:blip r:embed="rId4"/>
-          <a:srcRect t="25013" r="14995"/>
-          <a:stretch/>
-        </p:blipFill>
-        <p:spPr>
-          <a:xfrm>
-            <a:off x="2669047" y="4330053"/>
-            <a:ext cx="2535999" cy="2244545"/>
-          </a:xfrm>
-          <a:prstGeom prst="rect">
-            <a:avLst/>
-          </a:prstGeom>
-        </p:spPr>
-      </p:pic>
-      <p:pic>
-        <p:nvPicPr>
-          <p:cNvPr id="6" name="Picture 5"/>
-          <p:cNvPicPr>
-            <a:picLocks noChangeAspect="1"/>
-          </p:cNvPicPr>
-          <p:nvPr/>
-        </p:nvPicPr>
-        <p:blipFill>
-          <a:blip r:embed="rId5"/>
-          <a:stretch>
-            <a:fillRect/>
-          </a:stretch>
-        </p:blipFill>
-        <p:spPr>
-          <a:xfrm>
-            <a:off x="5345642" y="4274381"/>
-            <a:ext cx="2374004" cy="2300217"/>
-          </a:xfrm>
-          <a:prstGeom prst="rect">
-            <a:avLst/>
-          </a:prstGeom>
-        </p:spPr>
-      </p:pic>
       <p:sp>
         <p:nvSpPr>
           <p:cNvPr id="7" name="Content Placeholder 2"/>
@@ -4108,61 +3872,130 @@
           <a:lstStyle/>
           <a:p>
             <a:r>
-              <a:rPr lang="en-US" dirty="0" smtClean="0"/>
-              <a:t>We </a:t>
-            </a:r>
-            <a:r>
-              <a:rPr lang="en-US" dirty="0" smtClean="0"/>
-              <a:t>are all connected to the gender-biased problem in the high-tech </a:t>
-            </a:r>
-            <a:r>
-              <a:rPr lang="en-US" dirty="0" smtClean="0"/>
-              <a:t>industry.</a:t>
-            </a:r>
-          </a:p>
-          <a:p>
-            <a:r>
-              <a:rPr lang="en-US" dirty="0" smtClean="0"/>
-              <a:t>We strive for gender-equality </a:t>
-            </a:r>
-            <a:r>
-              <a:rPr lang="en-US" dirty="0" smtClean="0"/>
-              <a:t>and </a:t>
-            </a:r>
-            <a:r>
-              <a:rPr lang="en-US" dirty="0" smtClean="0"/>
-              <a:t>we want to help </a:t>
-            </a:r>
-            <a:r>
-              <a:rPr lang="en-US" dirty="0" smtClean="0"/>
-              <a:t>the recruitment teams </a:t>
-            </a:r>
-            <a:r>
-              <a:rPr lang="en-US" dirty="0" smtClean="0"/>
-              <a:t>to be </a:t>
-            </a:r>
-            <a:r>
-              <a:rPr lang="en-US" dirty="0" smtClean="0"/>
-              <a:t>as much inclusive as possible when they are writing job descriptions.</a:t>
-            </a:r>
-          </a:p>
-          <a:p>
-            <a:r>
-              <a:rPr lang="en-US" dirty="0" smtClean="0"/>
-              <a:t>We </a:t>
-            </a:r>
-            <a:r>
-              <a:rPr lang="en-US" dirty="0" smtClean="0"/>
-              <a:t>also used </a:t>
-            </a:r>
-            <a:r>
-              <a:rPr lang="en-US" dirty="0" smtClean="0"/>
-              <a:t>labor studies team as domain experts.</a:t>
+              <a:rPr lang="en-US" dirty="0"/>
+              <a:t>We are all connected to the gender-biased problem in the high-tech industry.</a:t>
+            </a:r>
+          </a:p>
+          <a:p>
+            <a:r>
+              <a:rPr lang="en-US" dirty="0"/>
+              <a:t>We strive for gender-equality and we want to help the recruitment teams to be as much inclusive as possible when they are writing job descriptions.</a:t>
+            </a:r>
+          </a:p>
+          <a:p>
+            <a:r>
+              <a:rPr lang="en-US" dirty="0"/>
+              <a:t>We also used labor studies team as domain experts.</a:t>
             </a:r>
             <a:endParaRPr lang="he-IL" dirty="0"/>
           </a:p>
         </p:txBody>
       </p:sp>
+      <p:grpSp>
+        <p:nvGrpSpPr>
+          <p:cNvPr id="9" name="Group 8">
+            <a:extLst>
+              <a:ext uri="{FF2B5EF4-FFF2-40B4-BE49-F238E27FC236}">
+                <a16:creationId xmlns:a16="http://schemas.microsoft.com/office/drawing/2014/main" id="{D21CC7A1-C9E2-E490-4CBF-D5ABDAE1D7BA}"/>
+              </a:ext>
+            </a:extLst>
+          </p:cNvPr>
+          <p:cNvGrpSpPr/>
+          <p:nvPr/>
+        </p:nvGrpSpPr>
+        <p:grpSpPr>
+          <a:xfrm>
+            <a:off x="2374212" y="4099073"/>
+            <a:ext cx="7443575" cy="2473876"/>
+            <a:chOff x="276071" y="4160019"/>
+            <a:chExt cx="7443575" cy="2473876"/>
+          </a:xfrm>
+        </p:grpSpPr>
+        <p:pic>
+          <p:nvPicPr>
+            <p:cNvPr id="4" name="Picture 3"/>
+            <p:cNvPicPr>
+              <a:picLocks noChangeAspect="1"/>
+            </p:cNvPicPr>
+            <p:nvPr/>
+          </p:nvPicPr>
+          <p:blipFill>
+            <a:blip r:embed="rId3"/>
+            <a:stretch>
+              <a:fillRect/>
+            </a:stretch>
+          </p:blipFill>
+          <p:spPr>
+            <a:xfrm>
+              <a:off x="276071" y="4334608"/>
+              <a:ext cx="2252380" cy="2239991"/>
+            </a:xfrm>
+            <a:prstGeom prst="rect">
+              <a:avLst/>
+            </a:prstGeom>
+          </p:spPr>
+        </p:pic>
+        <p:pic>
+          <p:nvPicPr>
+            <p:cNvPr id="6" name="Picture 5"/>
+            <p:cNvPicPr>
+              <a:picLocks noChangeAspect="1"/>
+            </p:cNvPicPr>
+            <p:nvPr/>
+          </p:nvPicPr>
+          <p:blipFill>
+            <a:blip r:embed="rId4"/>
+            <a:stretch>
+              <a:fillRect/>
+            </a:stretch>
+          </p:blipFill>
+          <p:spPr>
+            <a:xfrm>
+              <a:off x="5345642" y="4274381"/>
+              <a:ext cx="2374004" cy="2300217"/>
+            </a:xfrm>
+            <a:prstGeom prst="rect">
+              <a:avLst/>
+            </a:prstGeom>
+          </p:spPr>
+        </p:pic>
+        <p:pic>
+          <p:nvPicPr>
+            <p:cNvPr id="8" name="Picture 7" descr="A person smiling at the camera&#10;&#10;Description automatically generated with low confidence">
+              <a:extLst>
+                <a:ext uri="{FF2B5EF4-FFF2-40B4-BE49-F238E27FC236}">
+                  <a16:creationId xmlns:a16="http://schemas.microsoft.com/office/drawing/2014/main" id="{9C251859-3126-19F9-2EEF-94200F002D0E}"/>
+                </a:ext>
+              </a:extLst>
+            </p:cNvPr>
+            <p:cNvPicPr>
+              <a:picLocks noChangeAspect="1"/>
+            </p:cNvPicPr>
+            <p:nvPr/>
+          </p:nvPicPr>
+          <p:blipFill>
+            <a:blip r:embed="rId5" cstate="print">
+              <a:extLst>
+                <a:ext uri="{28A0092B-C50C-407E-A947-70E740481C1C}">
+                  <a14:useLocalDpi xmlns:a14="http://schemas.microsoft.com/office/drawing/2010/main" val="0"/>
+                </a:ext>
+              </a:extLst>
+            </a:blip>
+            <a:stretch>
+              <a:fillRect/>
+            </a:stretch>
+          </p:blipFill>
+          <p:spPr>
+            <a:xfrm>
+              <a:off x="3099838" y="4160019"/>
+              <a:ext cx="1855407" cy="2473876"/>
+            </a:xfrm>
+            <a:prstGeom prst="rect">
+              <a:avLst/>
+            </a:prstGeom>
+          </p:spPr>
+        </p:pic>
+      </p:grpSp>
     </p:spTree>
     <p:extLst>
       <p:ext uri="{BB962C8B-B14F-4D97-AF65-F5344CB8AC3E}">
@@ -4209,7 +4042,7 @@
           <a:lstStyle/>
           <a:p>
             <a:r>
-              <a:rPr lang="en-US" dirty="0" smtClean="0"/>
+              <a:rPr lang="en-US" dirty="0"/>
               <a:t>Iteration 2 Summary</a:t>
             </a:r>
             <a:endParaRPr lang="he-IL" dirty="0"/>
@@ -4281,100 +4114,73 @@
           <a:lstStyle/>
           <a:p>
             <a:r>
+              <a:rPr lang="en-US" dirty="0"/>
+              <a:t>LinkedIn job description analysis</a:t>
+            </a:r>
+            <a:endParaRPr lang="he-IL" dirty="0"/>
+          </a:p>
+        </p:txBody>
+      </p:sp>
+      <p:sp>
+        <p:nvSpPr>
+          <p:cNvPr id="3" name="Content Placeholder 2"/>
+          <p:cNvSpPr>
+            <a:spLocks noGrp="1"/>
+          </p:cNvSpPr>
+          <p:nvPr>
+            <p:ph idx="1"/>
+          </p:nvPr>
+        </p:nvSpPr>
+        <p:spPr/>
+        <p:txBody>
+          <a:bodyPr/>
+          <a:lstStyle/>
+          <a:p>
+            <a:r>
+              <a:rPr lang="en-US" dirty="0"/>
+              <a:t>Analyzed our LinkedIn job description database – extracted phrases that can discourage women from applying to the job</a:t>
+            </a:r>
+          </a:p>
+          <a:p>
+            <a:r>
+              <a:rPr lang="en-US" dirty="0"/>
+              <a:t>Looked for phrases for our experts (labor studies team) and used NLP model to enrich the list</a:t>
+            </a:r>
+          </a:p>
+          <a:p>
+            <a:r>
+              <a:rPr lang="en-US" dirty="0"/>
+              <a:t>Analyzed statistically the phrases per </a:t>
+            </a:r>
+            <a:r>
               <a:rPr lang="en-US" dirty="0" smtClean="0"/>
-              <a:t>LinkedIn job description analysis</a:t>
-            </a:r>
-            <a:endParaRPr lang="he-IL" dirty="0"/>
-          </a:p>
-        </p:txBody>
-      </p:sp>
-      <p:sp>
-        <p:nvSpPr>
-          <p:cNvPr id="3" name="Content Placeholder 2"/>
-          <p:cNvSpPr>
-            <a:spLocks noGrp="1"/>
-          </p:cNvSpPr>
-          <p:nvPr>
-            <p:ph idx="1"/>
-          </p:nvPr>
-        </p:nvSpPr>
-        <p:spPr/>
-        <p:txBody>
-          <a:bodyPr/>
-          <a:lstStyle/>
-          <a:p>
-            <a:r>
+              <a:t>category</a:t>
+            </a:r>
+            <a:br>
               <a:rPr lang="en-US" dirty="0" smtClean="0"/>
-              <a:t>Analyzed </a:t>
-            </a:r>
+            </a:br>
             <a:r>
               <a:rPr lang="en-US" dirty="0" smtClean="0"/>
-              <a:t>our LinkedIn job </a:t>
-            </a:r>
-            <a:r>
-              <a:rPr lang="en-US" dirty="0" smtClean="0"/>
-              <a:t>description </a:t>
-            </a:r>
-            <a:r>
-              <a:rPr lang="en-US" dirty="0" smtClean="0"/>
-              <a:t>database – extracted </a:t>
-            </a:r>
-            <a:r>
-              <a:rPr lang="en-US" dirty="0" smtClean="0"/>
-              <a:t>phrases that can discourage women from applying to the job</a:t>
-            </a:r>
-          </a:p>
-          <a:p>
-            <a:r>
-              <a:rPr lang="en-US" dirty="0" smtClean="0"/>
-              <a:t>Looked for </a:t>
-            </a:r>
-            <a:r>
-              <a:rPr lang="en-US" dirty="0" smtClean="0"/>
-              <a:t>phrases for our experts </a:t>
-            </a:r>
-            <a:r>
-              <a:rPr lang="en-US" dirty="0" smtClean="0"/>
-              <a:t>(labor studies team) </a:t>
-            </a:r>
-            <a:r>
-              <a:rPr lang="en-US" dirty="0" smtClean="0"/>
-              <a:t>and </a:t>
-            </a:r>
-            <a:r>
-              <a:rPr lang="en-US" dirty="0" smtClean="0"/>
-              <a:t>used NLP model to enrich </a:t>
-            </a:r>
-            <a:r>
-              <a:rPr lang="en-US" dirty="0" smtClean="0"/>
-              <a:t>the list</a:t>
-            </a:r>
-            <a:endParaRPr lang="en-US" dirty="0" smtClean="0"/>
-          </a:p>
-          <a:p>
-            <a:r>
-              <a:rPr lang="en-US" dirty="0" smtClean="0"/>
-              <a:t>Analyzed statistically the </a:t>
-            </a:r>
-            <a:r>
-              <a:rPr lang="en-US" dirty="0" smtClean="0"/>
-              <a:t>phrases per category (work environment, skills </a:t>
-            </a:r>
-            <a:r>
-              <a:rPr lang="en-US" dirty="0" err="1" smtClean="0"/>
+              <a:t>(work </a:t>
+            </a:r>
+            <a:r>
+              <a:rPr lang="en-US" dirty="0"/>
+              <a:t>environment, skills </a:t>
+            </a:r>
+            <a:r>
+              <a:rPr lang="en-US" dirty="0" err="1"/>
               <a:t>etc</a:t>
             </a:r>
             <a:r>
-              <a:rPr lang="en-US" dirty="0" smtClean="0"/>
+              <a:rPr lang="en-US" dirty="0"/>
               <a:t>)</a:t>
             </a:r>
           </a:p>
           <a:p>
             <a:r>
-              <a:rPr lang="en-US" dirty="0" smtClean="0"/>
+              <a:rPr lang="en-US" dirty="0"/>
               <a:t>results per description and per phrase:</a:t>
             </a:r>
-            <a:endParaRPr lang="en-US" dirty="0"/>
           </a:p>
           <a:p>
             <a:endParaRPr lang="he-IL" dirty="0"/>
@@ -4403,7 +4209,7 @@
           <a:graphicData uri="http://schemas.openxmlformats.org/presentationml/2006/ole">
             <mc:AlternateContent xmlns:mc="http://schemas.openxmlformats.org/markup-compatibility/2006">
               <mc:Choice xmlns:v="urn:schemas-microsoft-com:vml" Requires="v">
-                <p:oleObj spid="_x0000_s2132" name="Worksheet" showAsIcon="1" r:id="rId3" imgW="914400" imgH="792360" progId="Excel.Sheet.12">
+                <p:oleObj spid="_x0000_s1028" name="Worksheet" showAsIcon="1" r:id="rId3" imgW="914400" imgH="792360" progId="Excel.Sheet.12">
                   <p:embed/>
                 </p:oleObj>
               </mc:Choice>
@@ -4460,7 +4266,7 @@
           <a:graphicData uri="http://schemas.openxmlformats.org/presentationml/2006/ole">
             <mc:AlternateContent xmlns:mc="http://schemas.openxmlformats.org/markup-compatibility/2006">
               <mc:Choice xmlns:v="urn:schemas-microsoft-com:vml" Requires="v">
-                <p:oleObj spid="_x0000_s2133" name="Worksheet" showAsIcon="1" r:id="rId5" imgW="914400" imgH="792360" progId="Excel.Sheet.12">
+                <p:oleObj spid="_x0000_s1029" name="Worksheet" showAsIcon="1" r:id="rId5" imgW="914400" imgH="792360" progId="Excel.Sheet.12">
                   <p:embed/>
                 </p:oleObj>
               </mc:Choice>
@@ -4495,6 +4301,36 @@
           </a:graphicData>
         </a:graphic>
       </p:graphicFrame>
+      <p:pic>
+        <p:nvPicPr>
+          <p:cNvPr id="4" name="Picture 3"/>
+          <p:cNvPicPr>
+            <a:picLocks noChangeAspect="1"/>
+          </p:cNvPicPr>
+          <p:nvPr/>
+        </p:nvPicPr>
+        <p:blipFill>
+          <a:blip r:embed="rId6">
+            <a:extLst>
+              <a:ext uri="{28A0092B-C50C-407E-A947-70E740481C1C}">
+                <a14:useLocalDpi xmlns:a14="http://schemas.microsoft.com/office/drawing/2010/main" val="0"/>
+              </a:ext>
+            </a:extLst>
+          </a:blip>
+          <a:stretch>
+            <a:fillRect/>
+          </a:stretch>
+        </p:blipFill>
+        <p:spPr>
+          <a:xfrm>
+            <a:off x="7977774" y="3131269"/>
+            <a:ext cx="3557023" cy="3557023"/>
+          </a:xfrm>
+          <a:prstGeom prst="rect">
+            <a:avLst/>
+          </a:prstGeom>
+        </p:spPr>
+      </p:pic>
     </p:spTree>
     <p:extLst>
       <p:ext uri="{BB962C8B-B14F-4D97-AF65-F5344CB8AC3E}">
@@ -4541,12 +4377,8 @@
           <a:lstStyle/>
           <a:p>
             <a:r>
-              <a:rPr lang="en-US" dirty="0" smtClean="0"/>
-              <a:t>More data sources </a:t>
-            </a:r>
-            <a:r>
-              <a:rPr lang="en-US" dirty="0" smtClean="0"/>
-              <a:t>collection</a:t>
+              <a:rPr lang="en-US" dirty="0"/>
+              <a:t>More data sources collection</a:t>
             </a:r>
             <a:endParaRPr lang="he-IL" dirty="0"/>
           </a:p>
@@ -4568,40 +4400,31 @@
           <a:lstStyle/>
           <a:p>
             <a:r>
-              <a:rPr lang="en-US" dirty="0" smtClean="0"/>
-              <a:t>We found two </a:t>
-            </a:r>
-            <a:r>
-              <a:rPr lang="en-US" dirty="0" smtClean="0"/>
-              <a:t>job description datasets from </a:t>
-            </a:r>
-            <a:r>
-              <a:rPr lang="en-US" dirty="0" err="1" smtClean="0"/>
+              <a:rPr lang="en-US" dirty="0"/>
+              <a:t>We found two job description datasets from </a:t>
+            </a:r>
+            <a:r>
+              <a:rPr lang="en-US" dirty="0" err="1"/>
               <a:t>Kaggle</a:t>
             </a:r>
             <a:r>
-              <a:rPr lang="en-US" dirty="0" smtClean="0"/>
+              <a:rPr lang="en-US" dirty="0"/>
               <a:t> </a:t>
             </a:r>
           </a:p>
           <a:p>
             <a:r>
-              <a:rPr lang="en-US" dirty="0" smtClean="0"/>
-              <a:t>We also found one </a:t>
-            </a:r>
-            <a:r>
-              <a:rPr lang="en-US" dirty="0" smtClean="0"/>
-              <a:t>small dataset about Glassdoor job reviews from </a:t>
-            </a:r>
-            <a:r>
-              <a:rPr lang="en-US" dirty="0" err="1" smtClean="0"/>
+              <a:rPr lang="en-US" dirty="0"/>
+              <a:t>We also found one small dataset about Glassdoor job reviews from </a:t>
+            </a:r>
+            <a:r>
+              <a:rPr lang="en-US" dirty="0" err="1"/>
               <a:t>Kaggle</a:t>
             </a:r>
             <a:r>
-              <a:rPr lang="en-US" dirty="0" smtClean="0"/>
+              <a:rPr lang="en-US" dirty="0"/>
               <a:t> that we may use</a:t>
             </a:r>
-            <a:endParaRPr lang="en-US" dirty="0" smtClean="0"/>
           </a:p>
           <a:p>
             <a:endParaRPr lang="he-IL" dirty="0"/>
@@ -4654,7 +4477,7 @@
           <a:lstStyle/>
           <a:p>
             <a:r>
-              <a:rPr lang="en-US" dirty="0" smtClean="0"/>
+              <a:rPr lang="en-US" dirty="0"/>
               <a:t>Labor studies survey results</a:t>
             </a:r>
             <a:endParaRPr lang="he-IL" dirty="0"/>
@@ -4682,16 +4505,8 @@
           <a:lstStyle/>
           <a:p>
             <a:r>
-              <a:rPr lang="en-US" dirty="0" smtClean="0"/>
-              <a:t>We conducted a survey in collaboration with labor studies team with </a:t>
-            </a:r>
-            <a:r>
-              <a:rPr lang="en-US" dirty="0" smtClean="0"/>
-              <a:t>interesting </a:t>
-            </a:r>
-            <a:r>
-              <a:rPr lang="en-US" dirty="0" smtClean="0"/>
-              <a:t>results</a:t>
+              <a:rPr lang="en-US" dirty="0"/>
+              <a:t>We conducted a survey in collaboration with labor studies team with interesting results</a:t>
             </a:r>
           </a:p>
           <a:p>
@@ -4789,7 +4604,7 @@
           <a:lstStyle/>
           <a:p>
             <a:r>
-              <a:rPr lang="en-US" dirty="0" smtClean="0"/>
+              <a:rPr lang="en-US" dirty="0"/>
               <a:t>Iteration 3 planning</a:t>
             </a:r>
             <a:endParaRPr lang="he-IL" dirty="0"/>
@@ -4812,73 +4627,28 @@
           <a:lstStyle/>
           <a:p>
             <a:r>
-              <a:rPr lang="en-US" dirty="0" smtClean="0"/>
-              <a:t>We will continue </a:t>
-            </a:r>
-            <a:r>
-              <a:rPr lang="en-US" dirty="0" smtClean="0"/>
-              <a:t>cleaning the </a:t>
-            </a:r>
-            <a:r>
-              <a:rPr lang="en-US" dirty="0" smtClean="0"/>
-              <a:t>data sources from </a:t>
-            </a:r>
-            <a:r>
-              <a:rPr lang="en-US" dirty="0" err="1" smtClean="0"/>
+              <a:rPr lang="en-US" dirty="0"/>
+              <a:t>We will continue cleaning the data sources from </a:t>
+            </a:r>
+            <a:r>
+              <a:rPr lang="en-US" dirty="0" err="1"/>
               <a:t>Kaggle</a:t>
             </a:r>
             <a:r>
-              <a:rPr lang="en-US" dirty="0" smtClean="0"/>
-              <a:t> and improve </a:t>
-            </a:r>
-            <a:r>
-              <a:rPr lang="en-US" dirty="0" smtClean="0"/>
-              <a:t>our current NLP statistical model to enrich the </a:t>
-            </a:r>
-            <a:r>
-              <a:rPr lang="en-US" dirty="0" smtClean="0"/>
-              <a:t>biased phrases </a:t>
-            </a:r>
-            <a:r>
-              <a:rPr lang="en-US" dirty="0" smtClean="0"/>
-              <a:t>list </a:t>
-            </a:r>
-          </a:p>
-          <a:p>
-            <a:r>
-              <a:rPr lang="en-US" dirty="0" smtClean="0"/>
-              <a:t>We will ask </a:t>
-            </a:r>
-            <a:r>
-              <a:rPr lang="en-US" dirty="0" smtClean="0"/>
-              <a:t>the expert (GPT or BARD) for 1-5 grading for our Israeli LinkedIn </a:t>
-            </a:r>
-            <a:r>
-              <a:rPr lang="en-US" dirty="0" smtClean="0"/>
-              <a:t>set, as our testbench</a:t>
-            </a:r>
-            <a:endParaRPr lang="en-US" dirty="0" smtClean="0"/>
-          </a:p>
-          <a:p>
-            <a:r>
-              <a:rPr lang="en-US" dirty="0" smtClean="0"/>
-              <a:t>We will build </a:t>
-            </a:r>
-            <a:r>
-              <a:rPr lang="en-US" dirty="0" smtClean="0"/>
-              <a:t>and </a:t>
-            </a:r>
-            <a:r>
-              <a:rPr lang="en-US" dirty="0" smtClean="0"/>
-              <a:t>train </a:t>
-            </a:r>
-            <a:r>
-              <a:rPr lang="en-US" dirty="0" smtClean="0"/>
-              <a:t>an ML model to grade job descriptions on how gender-inclusive (or gender-biased) it </a:t>
-            </a:r>
-            <a:r>
-              <a:rPr lang="en-US" dirty="0" smtClean="0"/>
-              <a:t>is, based on our expert opinion and biased phrases list</a:t>
+              <a:rPr lang="en-US" dirty="0"/>
+              <a:t> and improve our current NLP statistical model to enrich the biased phrases list </a:t>
+            </a:r>
+          </a:p>
+          <a:p>
+            <a:r>
+              <a:rPr lang="en-US" dirty="0"/>
+              <a:t>We will ask the expert (GPT or BARD) for 1-5 grading for our Israeli LinkedIn set, as our testbench</a:t>
+            </a:r>
+          </a:p>
+          <a:p>
+            <a:r>
+              <a:rPr lang="en-US" dirty="0"/>
+              <a:t>We will build and train an ML model to grade job descriptions on how gender-inclusive (or gender-biased) it is, based on our expert opinion and biased phrases list</a:t>
             </a:r>
             <a:endParaRPr lang="he-IL" dirty="0"/>
           </a:p>
@@ -4930,7 +4700,7 @@
           <a:lstStyle/>
           <a:p>
             <a:r>
-              <a:rPr lang="en-US" dirty="0" smtClean="0"/>
+              <a:rPr lang="en-US" dirty="0"/>
               <a:t>Thank you!</a:t>
             </a:r>
             <a:endParaRPr lang="he-IL" dirty="0"/>
